--- a/powerpoint/UNIQ+Day1_students.pptx
+++ b/powerpoint/UNIQ+Day1_students.pptx
@@ -5,7 +5,7 @@
     <p:sldMasterId id="2147483648" r:id="rId1"/>
   </p:sldMasterIdLst>
   <p:sldIdLst>
-    <p:sldId id="256" r:id="rId2"/>
+    <p:sldId id="284" r:id="rId2"/>
     <p:sldId id="257" r:id="rId3"/>
     <p:sldId id="262" r:id="rId4"/>
     <p:sldId id="261" r:id="rId5"/>
@@ -143,6 +143,7 @@
 <p1510:revInfo xmlns:a="http://schemas.openxmlformats.org/drawingml/2006/main" xmlns:r="http://schemas.openxmlformats.org/officeDocument/2006/relationships" xmlns:p1510="http://schemas.microsoft.com/office/powerpoint/2015/10/main">
   <p1510:revLst>
     <p1510:client id="{A1DE7FA8-B3E9-0345-B325-0F983846FA45}" v="188" dt="2023-07-04T19:37:23.386"/>
+    <p1510:client id="{B993B99C-C75D-8341-9EAD-C01C2473A5DE}" v="1" dt="2023-07-04T21:13:55.657"/>
   </p1510:revLst>
 </p1510:revInfo>
 </file>
@@ -2717,11 +2718,18 @@
   </pc:docChgLst>
   <pc:docChgLst>
     <pc:chgData name="Srinivasa Rao" userId="a6b54366-f13d-4292-8bb4-f06c50909b1e" providerId="ADAL" clId="{B993B99C-C75D-8341-9EAD-C01C2473A5DE}"/>
-    <pc:docChg chg="undo custSel modSld">
-      <pc:chgData name="Srinivasa Rao" userId="a6b54366-f13d-4292-8bb4-f06c50909b1e" providerId="ADAL" clId="{B993B99C-C75D-8341-9EAD-C01C2473A5DE}" dt="2023-07-04T21:00:18.938" v="46"/>
+    <pc:docChg chg="undo custSel addSld delSld modSld">
+      <pc:chgData name="Srinivasa Rao" userId="a6b54366-f13d-4292-8bb4-f06c50909b1e" providerId="ADAL" clId="{B993B99C-C75D-8341-9EAD-C01C2473A5DE}" dt="2023-07-04T21:15:09.605" v="59" actId="2696"/>
       <pc:docMkLst>
         <pc:docMk/>
       </pc:docMkLst>
+      <pc:sldChg chg="del">
+        <pc:chgData name="Srinivasa Rao" userId="a6b54366-f13d-4292-8bb4-f06c50909b1e" providerId="ADAL" clId="{B993B99C-C75D-8341-9EAD-C01C2473A5DE}" dt="2023-07-04T21:15:09.605" v="59" actId="2696"/>
+        <pc:sldMkLst>
+          <pc:docMk/>
+          <pc:sldMk cId="433076590" sldId="256"/>
+        </pc:sldMkLst>
+      </pc:sldChg>
       <pc:sldChg chg="modSp mod">
         <pc:chgData name="Srinivasa Rao" userId="a6b54366-f13d-4292-8bb4-f06c50909b1e" providerId="ADAL" clId="{B993B99C-C75D-8341-9EAD-C01C2473A5DE}" dt="2023-07-04T21:00:18.938" v="46"/>
         <pc:sldMkLst>
@@ -2734,6 +2742,21 @@
             <pc:docMk/>
             <pc:sldMk cId="3097160359" sldId="282"/>
             <ac:spMk id="3" creationId="{C1C9784C-C3D7-D44E-4617-D71B0680E490}"/>
+          </ac:spMkLst>
+        </pc:spChg>
+      </pc:sldChg>
+      <pc:sldChg chg="modSp add mod">
+        <pc:chgData name="Srinivasa Rao" userId="a6b54366-f13d-4292-8bb4-f06c50909b1e" providerId="ADAL" clId="{B993B99C-C75D-8341-9EAD-C01C2473A5DE}" dt="2023-07-04T21:14:03.801" v="58" actId="20577"/>
+        <pc:sldMkLst>
+          <pc:docMk/>
+          <pc:sldMk cId="3951339930" sldId="284"/>
+        </pc:sldMkLst>
+        <pc:spChg chg="mod">
+          <ac:chgData name="Srinivasa Rao" userId="a6b54366-f13d-4292-8bb4-f06c50909b1e" providerId="ADAL" clId="{B993B99C-C75D-8341-9EAD-C01C2473A5DE}" dt="2023-07-04T21:14:03.801" v="58" actId="20577"/>
+          <ac:spMkLst>
+            <pc:docMk/>
+            <pc:sldMk cId="3951339930" sldId="284"/>
+            <ac:spMk id="3" creationId="{BDC29C8A-97C1-89BD-EF5E-9E6701A71A3A}"/>
           </ac:spMkLst>
         </pc:spChg>
       </pc:sldChg>
@@ -5982,7 +6005,7 @@
           <p:cNvPr id="2" name="Title 1">
             <a:extLst>
               <a:ext uri="{FF2B5EF4-FFF2-40B4-BE49-F238E27FC236}">
-                <a16:creationId xmlns:a16="http://schemas.microsoft.com/office/drawing/2014/main" id="{8A365B17-0A49-099B-0570-AD24ECE58DFC}"/>
+                <a16:creationId xmlns:a16="http://schemas.microsoft.com/office/drawing/2014/main" id="{029942C6-C447-6B2A-F792-28C0E9B320A5}"/>
               </a:ext>
             </a:extLst>
           </p:cNvPr>
@@ -5998,7 +6021,10 @@
           <a:bodyPr/>
           <a:lstStyle/>
           <a:p>
-            <a:endParaRPr lang="en-US"/>
+            <a:r>
+              <a:rPr lang="en-US" dirty="0"/>
+              <a:t>UNIQ+ R COURSE</a:t>
+            </a:r>
           </a:p>
         </p:txBody>
       </p:sp>
@@ -6007,7 +6033,7 @@
           <p:cNvPr id="3" name="Subtitle 2">
             <a:extLst>
               <a:ext uri="{FF2B5EF4-FFF2-40B4-BE49-F238E27FC236}">
-                <a16:creationId xmlns:a16="http://schemas.microsoft.com/office/drawing/2014/main" id="{A7AB2BB1-9961-E597-0F3C-70E92364CCFD}"/>
+                <a16:creationId xmlns:a16="http://schemas.microsoft.com/office/drawing/2014/main" id="{BDC29C8A-97C1-89BD-EF5E-9E6701A71A3A}"/>
               </a:ext>
             </a:extLst>
           </p:cNvPr>
@@ -6018,19 +6044,245 @@
             <p:ph type="subTitle" idx="1"/>
           </p:nvPr>
         </p:nvSpPr>
-        <p:spPr/>
+        <p:spPr>
+          <a:xfrm>
+            <a:off x="1524000" y="3602038"/>
+            <a:ext cx="9144000" cy="585649"/>
+          </a:xfrm>
+        </p:spPr>
         <p:txBody>
-          <a:bodyPr/>
+          <a:bodyPr>
+            <a:normAutofit/>
+          </a:bodyPr>
           <a:lstStyle/>
           <a:p>
-            <a:endParaRPr lang="en-US"/>
+            <a:r>
+              <a:rPr lang="en-US"/>
+              <a:t>Wednesday </a:t>
+            </a:r>
+            <a:r>
+              <a:rPr lang="en-US" dirty="0"/>
+              <a:t>5</a:t>
+            </a:r>
+            <a:r>
+              <a:rPr lang="en-US" baseline="30000"/>
+              <a:t>th</a:t>
+            </a:r>
+            <a:r>
+              <a:rPr lang="en-US"/>
+              <a:t> </a:t>
+            </a:r>
+            <a:r>
+              <a:rPr lang="en-US" dirty="0"/>
+              <a:t>July</a:t>
+            </a:r>
+          </a:p>
+        </p:txBody>
+      </p:sp>
+      <p:sp>
+        <p:nvSpPr>
+          <p:cNvPr id="4" name="Subtitle 2">
+            <a:extLst>
+              <a:ext uri="{FF2B5EF4-FFF2-40B4-BE49-F238E27FC236}">
+                <a16:creationId xmlns:a16="http://schemas.microsoft.com/office/drawing/2014/main" id="{2FD659F4-2226-AB3E-BD7E-31DF57F28CFE}"/>
+              </a:ext>
+            </a:extLst>
+          </p:cNvPr>
+          <p:cNvSpPr txBox="1">
+            <a:spLocks/>
+          </p:cNvSpPr>
+          <p:nvPr/>
+        </p:nvSpPr>
+        <p:spPr>
+          <a:xfrm>
+            <a:off x="2963158" y="6440641"/>
+            <a:ext cx="9144000" cy="585649"/>
+          </a:xfrm>
+          <a:prstGeom prst="rect">
+            <a:avLst/>
+          </a:prstGeom>
+        </p:spPr>
+        <p:txBody>
+          <a:bodyPr vert="horz" lIns="91440" tIns="45720" rIns="91440" bIns="45720" rtlCol="0">
+            <a:normAutofit/>
+          </a:bodyPr>
+          <a:lstStyle>
+            <a:lvl1pPr marL="0" indent="0" algn="ctr" defTabSz="914400" rtl="0" eaLnBrk="1" latinLnBrk="0" hangingPunct="1">
+              <a:lnSpc>
+                <a:spcPct val="90000"/>
+              </a:lnSpc>
+              <a:spcBef>
+                <a:spcPts val="1000"/>
+              </a:spcBef>
+              <a:buFont typeface="Arial" panose="020B0604020202020204" pitchFamily="34" charset="0"/>
+              <a:buNone/>
+              <a:defRPr sz="2400" kern="1200">
+                <a:solidFill>
+                  <a:schemeClr val="tx1"/>
+                </a:solidFill>
+                <a:latin typeface="+mn-lt"/>
+                <a:ea typeface="+mn-ea"/>
+                <a:cs typeface="+mn-cs"/>
+              </a:defRPr>
+            </a:lvl1pPr>
+            <a:lvl2pPr marL="457200" indent="0" algn="ctr" defTabSz="914400" rtl="0" eaLnBrk="1" latinLnBrk="0" hangingPunct="1">
+              <a:lnSpc>
+                <a:spcPct val="90000"/>
+              </a:lnSpc>
+              <a:spcBef>
+                <a:spcPts val="500"/>
+              </a:spcBef>
+              <a:buFont typeface="Arial" panose="020B0604020202020204" pitchFamily="34" charset="0"/>
+              <a:buNone/>
+              <a:defRPr sz="2000" kern="1200">
+                <a:solidFill>
+                  <a:schemeClr val="tx1"/>
+                </a:solidFill>
+                <a:latin typeface="+mn-lt"/>
+                <a:ea typeface="+mn-ea"/>
+                <a:cs typeface="+mn-cs"/>
+              </a:defRPr>
+            </a:lvl2pPr>
+            <a:lvl3pPr marL="914400" indent="0" algn="ctr" defTabSz="914400" rtl="0" eaLnBrk="1" latinLnBrk="0" hangingPunct="1">
+              <a:lnSpc>
+                <a:spcPct val="90000"/>
+              </a:lnSpc>
+              <a:spcBef>
+                <a:spcPts val="500"/>
+              </a:spcBef>
+              <a:buFont typeface="Arial" panose="020B0604020202020204" pitchFamily="34" charset="0"/>
+              <a:buNone/>
+              <a:defRPr sz="1800" kern="1200">
+                <a:solidFill>
+                  <a:schemeClr val="tx1"/>
+                </a:solidFill>
+                <a:latin typeface="+mn-lt"/>
+                <a:ea typeface="+mn-ea"/>
+                <a:cs typeface="+mn-cs"/>
+              </a:defRPr>
+            </a:lvl3pPr>
+            <a:lvl4pPr marL="1371600" indent="0" algn="ctr" defTabSz="914400" rtl="0" eaLnBrk="1" latinLnBrk="0" hangingPunct="1">
+              <a:lnSpc>
+                <a:spcPct val="90000"/>
+              </a:lnSpc>
+              <a:spcBef>
+                <a:spcPts val="500"/>
+              </a:spcBef>
+              <a:buFont typeface="Arial" panose="020B0604020202020204" pitchFamily="34" charset="0"/>
+              <a:buNone/>
+              <a:defRPr sz="1600" kern="1200">
+                <a:solidFill>
+                  <a:schemeClr val="tx1"/>
+                </a:solidFill>
+                <a:latin typeface="+mn-lt"/>
+                <a:ea typeface="+mn-ea"/>
+                <a:cs typeface="+mn-cs"/>
+              </a:defRPr>
+            </a:lvl4pPr>
+            <a:lvl5pPr marL="1828800" indent="0" algn="ctr" defTabSz="914400" rtl="0" eaLnBrk="1" latinLnBrk="0" hangingPunct="1">
+              <a:lnSpc>
+                <a:spcPct val="90000"/>
+              </a:lnSpc>
+              <a:spcBef>
+                <a:spcPts val="500"/>
+              </a:spcBef>
+              <a:buFont typeface="Arial" panose="020B0604020202020204" pitchFamily="34" charset="0"/>
+              <a:buNone/>
+              <a:defRPr sz="1600" kern="1200">
+                <a:solidFill>
+                  <a:schemeClr val="tx1"/>
+                </a:solidFill>
+                <a:latin typeface="+mn-lt"/>
+                <a:ea typeface="+mn-ea"/>
+                <a:cs typeface="+mn-cs"/>
+              </a:defRPr>
+            </a:lvl5pPr>
+            <a:lvl6pPr marL="2286000" indent="0" algn="ctr" defTabSz="914400" rtl="0" eaLnBrk="1" latinLnBrk="0" hangingPunct="1">
+              <a:lnSpc>
+                <a:spcPct val="90000"/>
+              </a:lnSpc>
+              <a:spcBef>
+                <a:spcPts val="500"/>
+              </a:spcBef>
+              <a:buFont typeface="Arial" panose="020B0604020202020204" pitchFamily="34" charset="0"/>
+              <a:buNone/>
+              <a:defRPr sz="1600" kern="1200">
+                <a:solidFill>
+                  <a:schemeClr val="tx1"/>
+                </a:solidFill>
+                <a:latin typeface="+mn-lt"/>
+                <a:ea typeface="+mn-ea"/>
+                <a:cs typeface="+mn-cs"/>
+              </a:defRPr>
+            </a:lvl6pPr>
+            <a:lvl7pPr marL="2743200" indent="0" algn="ctr" defTabSz="914400" rtl="0" eaLnBrk="1" latinLnBrk="0" hangingPunct="1">
+              <a:lnSpc>
+                <a:spcPct val="90000"/>
+              </a:lnSpc>
+              <a:spcBef>
+                <a:spcPts val="500"/>
+              </a:spcBef>
+              <a:buFont typeface="Arial" panose="020B0604020202020204" pitchFamily="34" charset="0"/>
+              <a:buNone/>
+              <a:defRPr sz="1600" kern="1200">
+                <a:solidFill>
+                  <a:schemeClr val="tx1"/>
+                </a:solidFill>
+                <a:latin typeface="+mn-lt"/>
+                <a:ea typeface="+mn-ea"/>
+                <a:cs typeface="+mn-cs"/>
+              </a:defRPr>
+            </a:lvl7pPr>
+            <a:lvl8pPr marL="3200400" indent="0" algn="ctr" defTabSz="914400" rtl="0" eaLnBrk="1" latinLnBrk="0" hangingPunct="1">
+              <a:lnSpc>
+                <a:spcPct val="90000"/>
+              </a:lnSpc>
+              <a:spcBef>
+                <a:spcPts val="500"/>
+              </a:spcBef>
+              <a:buFont typeface="Arial" panose="020B0604020202020204" pitchFamily="34" charset="0"/>
+              <a:buNone/>
+              <a:defRPr sz="1600" kern="1200">
+                <a:solidFill>
+                  <a:schemeClr val="tx1"/>
+                </a:solidFill>
+                <a:latin typeface="+mn-lt"/>
+                <a:ea typeface="+mn-ea"/>
+                <a:cs typeface="+mn-cs"/>
+              </a:defRPr>
+            </a:lvl8pPr>
+            <a:lvl9pPr marL="3657600" indent="0" algn="ctr" defTabSz="914400" rtl="0" eaLnBrk="1" latinLnBrk="0" hangingPunct="1">
+              <a:lnSpc>
+                <a:spcPct val="90000"/>
+              </a:lnSpc>
+              <a:spcBef>
+                <a:spcPts val="500"/>
+              </a:spcBef>
+              <a:buFont typeface="Arial" panose="020B0604020202020204" pitchFamily="34" charset="0"/>
+              <a:buNone/>
+              <a:defRPr sz="1600" kern="1200">
+                <a:solidFill>
+                  <a:schemeClr val="tx1"/>
+                </a:solidFill>
+                <a:latin typeface="+mn-lt"/>
+                <a:ea typeface="+mn-ea"/>
+                <a:cs typeface="+mn-cs"/>
+              </a:defRPr>
+            </a:lvl9pPr>
+          </a:lstStyle>
+          <a:p>
+            <a:pPr algn="r"/>
+            <a:r>
+              <a:rPr lang="en-US" dirty="0"/>
+              <a:t>Oxford 2023</a:t>
+            </a:r>
           </a:p>
         </p:txBody>
       </p:sp>
     </p:spTree>
     <p:extLst>
       <p:ext uri="{BB962C8B-B14F-4D97-AF65-F5344CB8AC3E}">
-        <p14:creationId xmlns:p14="http://schemas.microsoft.com/office/powerpoint/2010/main" val="433076590"/>
+        <p14:creationId xmlns:p14="http://schemas.microsoft.com/office/powerpoint/2010/main" val="3951339930"/>
       </p:ext>
     </p:extLst>
   </p:cSld>

--- a/powerpoint/UNIQ+Day1_students.pptx
+++ b/powerpoint/UNIQ+Day1_students.pptx
@@ -142,7 +142,6 @@
 <file path=ppt/revisionInfo.xml><?xml version="1.0" encoding="utf-8"?>
 <p1510:revInfo xmlns:a="http://schemas.openxmlformats.org/drawingml/2006/main" xmlns:r="http://schemas.openxmlformats.org/officeDocument/2006/relationships" xmlns:p1510="http://schemas.microsoft.com/office/powerpoint/2015/10/main">
   <p1510:revLst>
-    <p1510:client id="{A1DE7FA8-B3E9-0345-B325-0F983846FA45}" v="188" dt="2023-07-04T19:37:23.386"/>
     <p1510:client id="{B993B99C-C75D-8341-9EAD-C01C2473A5DE}" v="1" dt="2023-07-04T21:13:55.657"/>
   </p1510:revLst>
 </p1510:revInfo>
@@ -2719,7 +2718,7 @@
   <pc:docChgLst>
     <pc:chgData name="Srinivasa Rao" userId="a6b54366-f13d-4292-8bb4-f06c50909b1e" providerId="ADAL" clId="{B993B99C-C75D-8341-9EAD-C01C2473A5DE}"/>
     <pc:docChg chg="undo custSel addSld delSld modSld">
-      <pc:chgData name="Srinivasa Rao" userId="a6b54366-f13d-4292-8bb4-f06c50909b1e" providerId="ADAL" clId="{B993B99C-C75D-8341-9EAD-C01C2473A5DE}" dt="2023-07-04T21:15:09.605" v="59" actId="2696"/>
+      <pc:chgData name="Srinivasa Rao" userId="a6b54366-f13d-4292-8bb4-f06c50909b1e" providerId="ADAL" clId="{B993B99C-C75D-8341-9EAD-C01C2473A5DE}" dt="2023-07-06T08:21:48.258" v="68" actId="20577"/>
       <pc:docMkLst>
         <pc:docMk/>
       </pc:docMkLst>
@@ -2746,13 +2745,13 @@
         </pc:spChg>
       </pc:sldChg>
       <pc:sldChg chg="modSp add mod">
-        <pc:chgData name="Srinivasa Rao" userId="a6b54366-f13d-4292-8bb4-f06c50909b1e" providerId="ADAL" clId="{B993B99C-C75D-8341-9EAD-C01C2473A5DE}" dt="2023-07-04T21:14:03.801" v="58" actId="20577"/>
+        <pc:chgData name="Srinivasa Rao" userId="a6b54366-f13d-4292-8bb4-f06c50909b1e" providerId="ADAL" clId="{B993B99C-C75D-8341-9EAD-C01C2473A5DE}" dt="2023-07-06T08:21:48.258" v="68" actId="20577"/>
         <pc:sldMkLst>
           <pc:docMk/>
           <pc:sldMk cId="3951339930" sldId="284"/>
         </pc:sldMkLst>
         <pc:spChg chg="mod">
-          <ac:chgData name="Srinivasa Rao" userId="a6b54366-f13d-4292-8bb4-f06c50909b1e" providerId="ADAL" clId="{B993B99C-C75D-8341-9EAD-C01C2473A5DE}" dt="2023-07-04T21:14:03.801" v="58" actId="20577"/>
+          <ac:chgData name="Srinivasa Rao" userId="a6b54366-f13d-4292-8bb4-f06c50909b1e" providerId="ADAL" clId="{B993B99C-C75D-8341-9EAD-C01C2473A5DE}" dt="2023-07-06T08:21:48.258" v="68" actId="20577"/>
           <ac:spMkLst>
             <pc:docMk/>
             <pc:sldMk cId="3951339930" sldId="284"/>
@@ -2914,7 +2913,7 @@
           <a:p>
             <a:fld id="{950BEE4A-2997-C84B-8DCB-C7602CF9D705}" type="datetimeFigureOut">
               <a:rPr lang="en-US" smtClean="0"/>
-              <a:t>7/4/23</a:t>
+              <a:t>7/6/23</a:t>
             </a:fld>
             <a:endParaRPr lang="en-US"/>
           </a:p>
@@ -3114,7 +3113,7 @@
           <a:p>
             <a:fld id="{950BEE4A-2997-C84B-8DCB-C7602CF9D705}" type="datetimeFigureOut">
               <a:rPr lang="en-US" smtClean="0"/>
-              <a:t>7/4/23</a:t>
+              <a:t>7/6/23</a:t>
             </a:fld>
             <a:endParaRPr lang="en-US"/>
           </a:p>
@@ -3324,7 +3323,7 @@
           <a:p>
             <a:fld id="{950BEE4A-2997-C84B-8DCB-C7602CF9D705}" type="datetimeFigureOut">
               <a:rPr lang="en-US" smtClean="0"/>
-              <a:t>7/4/23</a:t>
+              <a:t>7/6/23</a:t>
             </a:fld>
             <a:endParaRPr lang="en-US"/>
           </a:p>
@@ -3524,7 +3523,7 @@
           <a:p>
             <a:fld id="{950BEE4A-2997-C84B-8DCB-C7602CF9D705}" type="datetimeFigureOut">
               <a:rPr lang="en-US" smtClean="0"/>
-              <a:t>7/4/23</a:t>
+              <a:t>7/6/23</a:t>
             </a:fld>
             <a:endParaRPr lang="en-US"/>
           </a:p>
@@ -3800,7 +3799,7 @@
           <a:p>
             <a:fld id="{950BEE4A-2997-C84B-8DCB-C7602CF9D705}" type="datetimeFigureOut">
               <a:rPr lang="en-US" smtClean="0"/>
-              <a:t>7/4/23</a:t>
+              <a:t>7/6/23</a:t>
             </a:fld>
             <a:endParaRPr lang="en-US"/>
           </a:p>
@@ -4068,7 +4067,7 @@
           <a:p>
             <a:fld id="{950BEE4A-2997-C84B-8DCB-C7602CF9D705}" type="datetimeFigureOut">
               <a:rPr lang="en-US" smtClean="0"/>
-              <a:t>7/4/23</a:t>
+              <a:t>7/6/23</a:t>
             </a:fld>
             <a:endParaRPr lang="en-US"/>
           </a:p>
@@ -4483,7 +4482,7 @@
           <a:p>
             <a:fld id="{950BEE4A-2997-C84B-8DCB-C7602CF9D705}" type="datetimeFigureOut">
               <a:rPr lang="en-US" smtClean="0"/>
-              <a:t>7/4/23</a:t>
+              <a:t>7/6/23</a:t>
             </a:fld>
             <a:endParaRPr lang="en-US"/>
           </a:p>
@@ -4625,7 +4624,7 @@
           <a:p>
             <a:fld id="{950BEE4A-2997-C84B-8DCB-C7602CF9D705}" type="datetimeFigureOut">
               <a:rPr lang="en-US" smtClean="0"/>
-              <a:t>7/4/23</a:t>
+              <a:t>7/6/23</a:t>
             </a:fld>
             <a:endParaRPr lang="en-US"/>
           </a:p>
@@ -4738,7 +4737,7 @@
           <a:p>
             <a:fld id="{950BEE4A-2997-C84B-8DCB-C7602CF9D705}" type="datetimeFigureOut">
               <a:rPr lang="en-US" smtClean="0"/>
-              <a:t>7/4/23</a:t>
+              <a:t>7/6/23</a:t>
             </a:fld>
             <a:endParaRPr lang="en-US"/>
           </a:p>
@@ -5051,7 +5050,7 @@
           <a:p>
             <a:fld id="{950BEE4A-2997-C84B-8DCB-C7602CF9D705}" type="datetimeFigureOut">
               <a:rPr lang="en-US" smtClean="0"/>
-              <a:t>7/4/23</a:t>
+              <a:t>7/6/23</a:t>
             </a:fld>
             <a:endParaRPr lang="en-US"/>
           </a:p>
@@ -5340,7 +5339,7 @@
           <a:p>
             <a:fld id="{950BEE4A-2997-C84B-8DCB-C7602CF9D705}" type="datetimeFigureOut">
               <a:rPr lang="en-US" smtClean="0"/>
-              <a:t>7/4/23</a:t>
+              <a:t>7/6/23</a:t>
             </a:fld>
             <a:endParaRPr lang="en-US"/>
           </a:p>
@@ -5583,7 +5582,7 @@
           <a:p>
             <a:fld id="{950BEE4A-2997-C84B-8DCB-C7602CF9D705}" type="datetimeFigureOut">
               <a:rPr lang="en-US" smtClean="0"/>
-              <a:t>7/4/23</a:t>
+              <a:t>7/6/23</a:t>
             </a:fld>
             <a:endParaRPr lang="en-US"/>
           </a:p>
@@ -6057,24 +6056,16 @@
           <a:lstStyle/>
           <a:p>
             <a:r>
-              <a:rPr lang="en-US"/>
-              <a:t>Wednesday </a:t>
-            </a:r>
-            <a:r>
               <a:rPr lang="en-US" dirty="0"/>
-              <a:t>5</a:t>
-            </a:r>
-            <a:r>
-              <a:rPr lang="en-US" baseline="30000"/>
+              <a:t>Wednesday 5</a:t>
+            </a:r>
+            <a:r>
+              <a:rPr lang="en-US" baseline="30000" dirty="0"/>
               <a:t>th</a:t>
             </a:r>
             <a:r>
-              <a:rPr lang="en-US"/>
-              <a:t> </a:t>
-            </a:r>
-            <a:r>
               <a:rPr lang="en-US" dirty="0"/>
-              <a:t>July</a:t>
+              <a:t> July</a:t>
             </a:r>
           </a:p>
         </p:txBody>
